--- a/Images/Figures_To_Review/PieCharts_TORC/ComponentsSARPieChartv2.pptx
+++ b/Images/Figures_To_Review/PieCharts_TORC/ComponentsSARPieChartv2.pptx
@@ -307,7 +307,7 @@
           <a:p>
             <a:fld id="{E6744CE3-0875-4B69-89C0-6F72D8139561}" type="datetimeFigureOut">
               <a:rPr lang="en-GB" smtClean="0"/>
-              <a:t>13/05/2025</a:t>
+              <a:t>03/06/2025</a:t>
             </a:fld>
             <a:endParaRPr lang="en-GB"/>
           </a:p>
@@ -477,7 +477,7 @@
           <a:p>
             <a:fld id="{E6744CE3-0875-4B69-89C0-6F72D8139561}" type="datetimeFigureOut">
               <a:rPr lang="en-GB" smtClean="0"/>
-              <a:t>13/05/2025</a:t>
+              <a:t>03/06/2025</a:t>
             </a:fld>
             <a:endParaRPr lang="en-GB"/>
           </a:p>
@@ -723,7 +723,7 @@
           <a:p>
             <a:fld id="{E6744CE3-0875-4B69-89C0-6F72D8139561}" type="datetimeFigureOut">
               <a:rPr lang="en-GB" smtClean="0"/>
-              <a:t>13/05/2025</a:t>
+              <a:t>03/06/2025</a:t>
             </a:fld>
             <a:endParaRPr lang="en-GB"/>
           </a:p>
@@ -1011,7 +1011,7 @@
           <a:p>
             <a:fld id="{E6744CE3-0875-4B69-89C0-6F72D8139561}" type="datetimeFigureOut">
               <a:rPr lang="en-GB" smtClean="0"/>
-              <a:t>13/05/2025</a:t>
+              <a:t>03/06/2025</a:t>
             </a:fld>
             <a:endParaRPr lang="en-GB"/>
           </a:p>
@@ -1433,7 +1433,7 @@
           <a:p>
             <a:fld id="{E6744CE3-0875-4B69-89C0-6F72D8139561}" type="datetimeFigureOut">
               <a:rPr lang="en-GB" smtClean="0"/>
-              <a:t>13/05/2025</a:t>
+              <a:t>03/06/2025</a:t>
             </a:fld>
             <a:endParaRPr lang="en-GB"/>
           </a:p>
@@ -1551,7 +1551,7 @@
           <a:p>
             <a:fld id="{E6744CE3-0875-4B69-89C0-6F72D8139561}" type="datetimeFigureOut">
               <a:rPr lang="en-GB" smtClean="0"/>
-              <a:t>13/05/2025</a:t>
+              <a:t>03/06/2025</a:t>
             </a:fld>
             <a:endParaRPr lang="en-GB"/>
           </a:p>
@@ -1646,7 +1646,7 @@
           <a:p>
             <a:fld id="{E6744CE3-0875-4B69-89C0-6F72D8139561}" type="datetimeFigureOut">
               <a:rPr lang="en-GB" smtClean="0"/>
-              <a:t>13/05/2025</a:t>
+              <a:t>03/06/2025</a:t>
             </a:fld>
             <a:endParaRPr lang="en-GB"/>
           </a:p>
@@ -1859,7 +1859,7 @@
           <a:p>
             <a:fld id="{E6744CE3-0875-4B69-89C0-6F72D8139561}" type="datetimeFigureOut">
               <a:rPr lang="en-GB" smtClean="0"/>
-              <a:t>13/05/2025</a:t>
+              <a:t>03/06/2025</a:t>
             </a:fld>
             <a:endParaRPr lang="en-GB"/>
           </a:p>
@@ -2238,10 +2238,10 @@
         </p:nvGrpSpPr>
         <p:grpSpPr>
           <a:xfrm>
-            <a:off x="-15923" y="44624"/>
-            <a:ext cx="9159923" cy="6430617"/>
-            <a:chOff x="898477" y="884583"/>
-            <a:chExt cx="9159923" cy="6430617"/>
+            <a:off x="0" y="121630"/>
+            <a:ext cx="9144000" cy="6400800"/>
+            <a:chOff x="914400" y="961589"/>
+            <a:chExt cx="9144000" cy="6400800"/>
           </a:xfrm>
         </p:grpSpPr>
         <p:sp>
@@ -2252,7 +2252,7 @@
           </p:nvSpPr>
           <p:spPr>
             <a:xfrm>
-              <a:off x="914400" y="914400"/>
+              <a:off x="914400" y="961589"/>
               <a:ext cx="9144000" cy="6400800"/>
             </a:xfrm>
             <a:prstGeom prst="rect">
@@ -3745,14 +3745,14 @@
                 </a:spcAft>
               </a:pPr>
               <a:r>
-                <a:rPr sz="1707" dirty="0">
+                <a:rPr sz="1707" b="1" dirty="0">
                   <a:solidFill>
                     <a:srgbClr val="000000">
                       <a:alpha val="100000"/>
                     </a:srgbClr>
                   </a:solidFill>
-                  <a:latin typeface="Arial"/>
-                  <a:cs typeface="Arial"/>
+                  <a:latin typeface="Times New Roman" panose="02020603050405020304" pitchFamily="18" charset="0"/>
+                  <a:cs typeface="Times New Roman" panose="02020603050405020304" pitchFamily="18" charset="0"/>
                 </a:rPr>
                 <a:t>TORC2 Only </a:t>
               </a:r>
@@ -3791,14 +3791,14 @@
                 </a:spcAft>
               </a:pPr>
               <a:r>
-                <a:rPr sz="1707" dirty="0">
+                <a:rPr sz="1707" b="1" dirty="0">
                   <a:solidFill>
                     <a:srgbClr val="000000">
                       <a:alpha val="100000"/>
                     </a:srgbClr>
                   </a:solidFill>
-                  <a:latin typeface="Arial"/>
-                  <a:cs typeface="Arial"/>
+                  <a:latin typeface="Times New Roman" panose="02020603050405020304" pitchFamily="18" charset="0"/>
+                  <a:cs typeface="Times New Roman" panose="02020603050405020304" pitchFamily="18" charset="0"/>
                 </a:rPr>
                 <a:t> 4.781 %</a:t>
               </a:r>
@@ -3837,14 +3837,14 @@
                 </a:spcAft>
               </a:pPr>
               <a:r>
-                <a:rPr sz="1707" dirty="0">
+                <a:rPr sz="1707" b="1" dirty="0">
                   <a:solidFill>
                     <a:srgbClr val="000000">
                       <a:alpha val="100000"/>
                     </a:srgbClr>
                   </a:solidFill>
-                  <a:latin typeface="Arial"/>
-                  <a:cs typeface="Arial"/>
+                  <a:latin typeface="Times New Roman" panose="02020603050405020304" pitchFamily="18" charset="0"/>
+                  <a:cs typeface="Times New Roman" panose="02020603050405020304" pitchFamily="18" charset="0"/>
                 </a:rPr>
                 <a:t>TORC1 Only </a:t>
               </a:r>
@@ -3883,14 +3883,14 @@
                 </a:spcAft>
               </a:pPr>
               <a:r>
-                <a:rPr sz="1707" dirty="0">
+                <a:rPr sz="1707" b="1" dirty="0">
                   <a:solidFill>
                     <a:srgbClr val="000000">
                       <a:alpha val="100000"/>
                     </a:srgbClr>
                   </a:solidFill>
-                  <a:latin typeface="Arial"/>
-                  <a:cs typeface="Arial"/>
+                  <a:latin typeface="Times New Roman" panose="02020603050405020304" pitchFamily="18" charset="0"/>
+                  <a:cs typeface="Times New Roman" panose="02020603050405020304" pitchFamily="18" charset="0"/>
                 </a:rPr>
                 <a:t> 10.359 %</a:t>
               </a:r>
@@ -3929,14 +3929,14 @@
                 </a:spcAft>
               </a:pPr>
               <a:r>
-                <a:rPr sz="1707">
+                <a:rPr sz="1707" b="1" dirty="0">
                   <a:solidFill>
                     <a:srgbClr val="000000">
                       <a:alpha val="100000"/>
                     </a:srgbClr>
                   </a:solidFill>
-                  <a:latin typeface="Arial"/>
-                  <a:cs typeface="Arial"/>
+                  <a:latin typeface="Times New Roman" panose="02020603050405020304" pitchFamily="18" charset="0"/>
+                  <a:cs typeface="Times New Roman" panose="02020603050405020304" pitchFamily="18" charset="0"/>
                 </a:rPr>
                 <a:t>TORC1 &amp; TORC2 </a:t>
               </a:r>
@@ -3975,14 +3975,14 @@
                 </a:spcAft>
               </a:pPr>
               <a:r>
-                <a:rPr sz="1707">
+                <a:rPr sz="1707" b="1" dirty="0">
                   <a:solidFill>
                     <a:srgbClr val="000000">
                       <a:alpha val="100000"/>
                     </a:srgbClr>
                   </a:solidFill>
-                  <a:latin typeface="Arial"/>
-                  <a:cs typeface="Arial"/>
+                  <a:latin typeface="Times New Roman" panose="02020603050405020304" pitchFamily="18" charset="0"/>
+                  <a:cs typeface="Times New Roman" panose="02020603050405020304" pitchFamily="18" charset="0"/>
                 </a:rPr>
                 <a:t> 38.247 %</a:t>
               </a:r>
@@ -4021,14 +4021,14 @@
                 </a:spcAft>
               </a:pPr>
               <a:r>
-                <a:rPr sz="1707">
+                <a:rPr sz="1707" b="1" dirty="0">
                   <a:solidFill>
                     <a:srgbClr val="000000">
                       <a:alpha val="100000"/>
                     </a:srgbClr>
                   </a:solidFill>
-                  <a:latin typeface="Arial"/>
-                  <a:cs typeface="Arial"/>
+                  <a:latin typeface="Times New Roman" panose="02020603050405020304" pitchFamily="18" charset="0"/>
+                  <a:cs typeface="Times New Roman" panose="02020603050405020304" pitchFamily="18" charset="0"/>
                 </a:rPr>
                 <a:t>No TORC </a:t>
               </a:r>
@@ -4067,14 +4067,14 @@
                 </a:spcAft>
               </a:pPr>
               <a:r>
-                <a:rPr sz="1707">
+                <a:rPr sz="1707" b="1" dirty="0">
                   <a:solidFill>
                     <a:srgbClr val="000000">
                       <a:alpha val="100000"/>
                     </a:srgbClr>
                   </a:solidFill>
-                  <a:latin typeface="Arial"/>
-                  <a:cs typeface="Arial"/>
+                  <a:latin typeface="Times New Roman" panose="02020603050405020304" pitchFamily="18" charset="0"/>
+                  <a:cs typeface="Times New Roman" panose="02020603050405020304" pitchFamily="18" charset="0"/>
                 </a:rPr>
                 <a:t> 46.614 %</a:t>
               </a:r>
@@ -4089,7 +4089,7 @@
           </p:nvSpPr>
           <p:spPr>
             <a:xfrm>
-              <a:off x="898477" y="884583"/>
+              <a:off x="1436443" y="1075379"/>
               <a:ext cx="2314217" cy="152251"/>
             </a:xfrm>
             <a:prstGeom prst="rect">
@@ -4113,7 +4113,7 @@
                 </a:spcAft>
               </a:pPr>
               <a:r>
-                <a:rPr sz="1320" dirty="0">
+                <a:rPr b="1" dirty="0">
                   <a:solidFill>
                     <a:srgbClr val="000000">
                       <a:alpha val="100000"/>
